--- a/materials/Presentation.pptx
+++ b/materials/Presentation.pptx
@@ -124,12 +124,12 @@
 <file path=ppt/revisionInfo.xml><?xml version="1.0" encoding="utf-8"?>
 <p1510:revInfo xmlns:a="http://schemas.openxmlformats.org/drawingml/2006/main" xmlns:r="http://schemas.openxmlformats.org/officeDocument/2006/relationships" xmlns:p1510="http://schemas.microsoft.com/office/powerpoint/2015/10/main">
   <p1510:revLst>
+    <p1510:client id="{C6298539-EB99-43B9-A1BF-FBBE0ECFD483}" v="78" dt="2019-04-04T00:23:23.446"/>
+    <p1510:client id="{8C3DE8D0-CD9C-67AD-67D4-8D45258FEB82}" v="296" dt="2019-04-04T01:08:05.090"/>
+    <p1510:client id="{2C392F44-CA38-4D89-916C-D72D5E186EBD}" v="1" dt="2019-04-04T00:22:03.057"/>
+    <p1510:client id="{EDF6FF90-BAAE-D27D-1105-A553043EA665}" v="800" dt="2019-04-04T01:50:30.931"/>
+    <p1510:client id="{17F7C3FB-FFCC-04BB-2416-40EACA7F319A}" v="2178" dt="2019-04-04T02:03:38.050"/>
     <p1510:client id="{F916CFD6-9CB0-D560-D71E-6E25C38A2C93}" v="5" dt="2019-04-04T01:59:27.352"/>
-    <p1510:client id="{17F7C3FB-FFCC-04BB-2416-40EACA7F319A}" v="2178" dt="2019-04-04T02:03:38.050"/>
-    <p1510:client id="{EDF6FF90-BAAE-D27D-1105-A553043EA665}" v="800" dt="2019-04-04T01:50:30.931"/>
-    <p1510:client id="{2C392F44-CA38-4D89-916C-D72D5E186EBD}" v="1" dt="2019-04-04T00:22:03.057"/>
-    <p1510:client id="{8C3DE8D0-CD9C-67AD-67D4-8D45258FEB82}" v="296" dt="2019-04-04T01:08:05.090"/>
-    <p1510:client id="{C6298539-EB99-43B9-A1BF-FBBE0ECFD483}" v="78" dt="2019-04-04T00:23:23.446"/>
   </p1510:revLst>
 </p1510:revInfo>
 </file>
@@ -216,7 +216,7 @@
           <a:p>
             <a:fld id="{BE6A666D-AEDC-F542-B148-DA5E8B7860F3}" type="datetimeFigureOut">
               <a:rPr kumimoji="1" lang="zh-CN" altLang="en-US" smtClean="0"/>
-              <a:t>2019/4/4</a:t>
+              <a:t>2019/5/6</a:t>
             </a:fld>
             <a:endParaRPr kumimoji="1" lang="zh-CN" altLang="en-US"/>
           </a:p>
@@ -916,7 +916,7 @@
           <a:p>
             <a:fld id="{1D8E1914-FA25-734E-BB0E-B507CC37CD6F}" type="datetimeFigureOut">
               <a:rPr kumimoji="1" lang="zh-CN" altLang="en-US" smtClean="0"/>
-              <a:t>2019/4/4</a:t>
+              <a:t>2019/5/6</a:t>
             </a:fld>
             <a:endParaRPr kumimoji="1" lang="zh-CN" altLang="en-US"/>
           </a:p>
@@ -1089,7 +1089,7 @@
           <a:p>
             <a:fld id="{1D8E1914-FA25-734E-BB0E-B507CC37CD6F}" type="datetimeFigureOut">
               <a:rPr kumimoji="1" lang="zh-CN" altLang="en-US" smtClean="0"/>
-              <a:t>2019/4/4</a:t>
+              <a:t>2019/5/6</a:t>
             </a:fld>
             <a:endParaRPr kumimoji="1" lang="zh-CN" altLang="en-US"/>
           </a:p>
@@ -1272,7 +1272,7 @@
           <a:p>
             <a:fld id="{1D8E1914-FA25-734E-BB0E-B507CC37CD6F}" type="datetimeFigureOut">
               <a:rPr kumimoji="1" lang="zh-CN" altLang="en-US" smtClean="0"/>
-              <a:t>2019/4/4</a:t>
+              <a:t>2019/5/6</a:t>
             </a:fld>
             <a:endParaRPr kumimoji="1" lang="zh-CN" altLang="en-US"/>
           </a:p>
@@ -1445,7 +1445,7 @@
           <a:p>
             <a:fld id="{1D8E1914-FA25-734E-BB0E-B507CC37CD6F}" type="datetimeFigureOut">
               <a:rPr kumimoji="1" lang="zh-CN" altLang="en-US" smtClean="0"/>
-              <a:t>2019/4/4</a:t>
+              <a:t>2019/5/6</a:t>
             </a:fld>
             <a:endParaRPr kumimoji="1" lang="zh-CN" altLang="en-US"/>
           </a:p>
@@ -1723,7 +1723,7 @@
           <a:p>
             <a:fld id="{1D8E1914-FA25-734E-BB0E-B507CC37CD6F}" type="datetimeFigureOut">
               <a:rPr kumimoji="1" lang="zh-CN" altLang="en-US" smtClean="0"/>
-              <a:t>2019/4/4</a:t>
+              <a:t>2019/5/6</a:t>
             </a:fld>
             <a:endParaRPr kumimoji="1" lang="zh-CN" altLang="en-US"/>
           </a:p>
@@ -1938,7 +1938,7 @@
           <a:p>
             <a:fld id="{1D8E1914-FA25-734E-BB0E-B507CC37CD6F}" type="datetimeFigureOut">
               <a:rPr kumimoji="1" lang="zh-CN" altLang="en-US" smtClean="0"/>
-              <a:t>2019/4/4</a:t>
+              <a:t>2019/5/6</a:t>
             </a:fld>
             <a:endParaRPr kumimoji="1" lang="zh-CN" altLang="en-US"/>
           </a:p>
@@ -2306,7 +2306,7 @@
           <a:p>
             <a:fld id="{1D8E1914-FA25-734E-BB0E-B507CC37CD6F}" type="datetimeFigureOut">
               <a:rPr kumimoji="1" lang="zh-CN" altLang="en-US" smtClean="0"/>
-              <a:t>2019/4/4</a:t>
+              <a:t>2019/5/6</a:t>
             </a:fld>
             <a:endParaRPr kumimoji="1" lang="zh-CN" altLang="en-US"/>
           </a:p>
@@ -2447,7 +2447,7 @@
           <a:p>
             <a:fld id="{1D8E1914-FA25-734E-BB0E-B507CC37CD6F}" type="datetimeFigureOut">
               <a:rPr kumimoji="1" lang="zh-CN" altLang="en-US" smtClean="0"/>
-              <a:t>2019/4/4</a:t>
+              <a:t>2019/5/6</a:t>
             </a:fld>
             <a:endParaRPr kumimoji="1" lang="zh-CN" altLang="en-US"/>
           </a:p>
@@ -2560,7 +2560,7 @@
           <a:p>
             <a:fld id="{1D8E1914-FA25-734E-BB0E-B507CC37CD6F}" type="datetimeFigureOut">
               <a:rPr kumimoji="1" lang="zh-CN" altLang="en-US" smtClean="0"/>
-              <a:t>2019/4/4</a:t>
+              <a:t>2019/5/6</a:t>
             </a:fld>
             <a:endParaRPr kumimoji="1" lang="zh-CN" altLang="en-US"/>
           </a:p>
@@ -2849,7 +2849,7 @@
           <a:p>
             <a:fld id="{1D8E1914-FA25-734E-BB0E-B507CC37CD6F}" type="datetimeFigureOut">
               <a:rPr kumimoji="1" lang="zh-CN" altLang="en-US" smtClean="0"/>
-              <a:t>2019/4/4</a:t>
+              <a:t>2019/5/6</a:t>
             </a:fld>
             <a:endParaRPr kumimoji="1" lang="zh-CN" altLang="en-US"/>
           </a:p>
@@ -3140,7 +3140,7 @@
           <a:p>
             <a:fld id="{1D8E1914-FA25-734E-BB0E-B507CC37CD6F}" type="datetimeFigureOut">
               <a:rPr kumimoji="1" lang="zh-CN" altLang="en-US" smtClean="0"/>
-              <a:t>2019/4/4</a:t>
+              <a:t>2019/5/6</a:t>
             </a:fld>
             <a:endParaRPr kumimoji="1" lang="zh-CN" altLang="en-US"/>
           </a:p>
@@ -3356,7 +3356,7 @@
           <a:p>
             <a:fld id="{1D8E1914-FA25-734E-BB0E-B507CC37CD6F}" type="datetimeFigureOut">
               <a:rPr kumimoji="1" lang="zh-CN" altLang="en-US" smtClean="0"/>
-              <a:t>2019/4/4</a:t>
+              <a:t>2019/5/6</a:t>
             </a:fld>
             <a:endParaRPr kumimoji="1" lang="zh-CN" altLang="en-US"/>
           </a:p>
@@ -4451,12 +4451,24 @@
               <a:buChar char="•"/>
             </a:pPr>
             <a:r>
-              <a:rPr lang="en-US" altLang="zh-CN" sz="2000">
+              <a:rPr lang="en-US" altLang="zh-CN" sz="2000" dirty="0">
                 <a:ea typeface="等线"/>
               </a:rPr>
-              <a:t>Improvement over Unet:</a:t>
-            </a:r>
-            <a:endParaRPr lang="en-US"/>
+              <a:t>Improvement over </a:t>
+            </a:r>
+            <a:r>
+              <a:rPr lang="en-US" altLang="zh-CN" sz="2000" dirty="0" err="1">
+                <a:ea typeface="等线"/>
+              </a:rPr>
+              <a:t>Unet</a:t>
+            </a:r>
+            <a:r>
+              <a:rPr lang="en-US" altLang="zh-CN" sz="2000" dirty="0">
+                <a:ea typeface="等线"/>
+              </a:rPr>
+              <a:t>:</a:t>
+            </a:r>
+            <a:endParaRPr lang="en-US" dirty="0"/>
           </a:p>
           <a:p>
             <a:pPr marL="742950" lvl="1" indent="-285750">
@@ -4464,18 +4476,18 @@
               <a:buChar char="•"/>
             </a:pPr>
             <a:r>
-              <a:rPr lang="en-US" altLang="zh-CN">
+              <a:rPr lang="en-US" altLang="zh-CN" dirty="0">
                 <a:ea typeface="等线"/>
               </a:rPr>
               <a:t>VGG as encoder - </a:t>
             </a:r>
             <a:r>
-              <a:rPr lang="en-US" err="1">
+              <a:rPr lang="en-US" dirty="0" err="1">
                 <a:ea typeface="等线"/>
               </a:rPr>
               <a:t>TernausNet</a:t>
             </a:r>
-            <a:endParaRPr lang="en-US">
+            <a:endParaRPr lang="en-US" dirty="0">
               <a:ea typeface="等线"/>
             </a:endParaRPr>
           </a:p>
@@ -4485,18 +4497,33 @@
               <a:buChar char="•"/>
             </a:pPr>
             <a:r>
-              <a:rPr lang="en-US">
+              <a:rPr lang="en-US" dirty="0" err="1">
                 <a:ea typeface="等线"/>
               </a:rPr>
-              <a:t>ResNet for better gradient - LinkNet</a:t>
-            </a:r>
+              <a:t>ResNet</a:t>
+            </a:r>
+            <a:r>
+              <a:rPr lang="en-US" dirty="0">
+                <a:ea typeface="等线"/>
+              </a:rPr>
+              <a:t> for better gradient - </a:t>
+            </a:r>
+            <a:r>
+              <a:rPr lang="en-US" dirty="0" err="1">
+                <a:ea typeface="等线"/>
+              </a:rPr>
+              <a:t>LinkNet</a:t>
+            </a:r>
+            <a:endParaRPr lang="en-US" dirty="0">
+              <a:ea typeface="等线"/>
+            </a:endParaRPr>
           </a:p>
           <a:p>
             <a:pPr marL="285750" indent="-285750">
               <a:buFont typeface="Arial" panose="020B0604020202020204" pitchFamily="34" charset="0"/>
               <a:buChar char="•"/>
             </a:pPr>
-            <a:endParaRPr lang="en-US" sz="2000">
+            <a:endParaRPr lang="en-US" sz="2000" dirty="0">
               <a:ea typeface="等线"/>
             </a:endParaRPr>
           </a:p>
@@ -4506,18 +4533,33 @@
               <a:buChar char="•"/>
             </a:pPr>
             <a:r>
+              <a:rPr lang="en-US" sz="2000" dirty="0">
+                <a:ea typeface="等线"/>
+              </a:rPr>
+              <a:t>2017 </a:t>
+            </a:r>
+            <a:r>
+              <a:rPr lang="en-US" sz="2000" dirty="0" err="1">
+                <a:ea typeface="等线"/>
+              </a:rPr>
+              <a:t>EndoVisSub</a:t>
+            </a:r>
+            <a:r>
               <a:rPr lang="en-US" sz="2000">
                 <a:ea typeface="等线"/>
               </a:rPr>
-              <a:t>2017 EndoVisSub winnder</a:t>
-            </a:r>
+              <a:t> winner</a:t>
+            </a:r>
+            <a:endParaRPr lang="en-US" sz="2000" dirty="0">
+              <a:ea typeface="等线"/>
+            </a:endParaRPr>
           </a:p>
           <a:p>
             <a:pPr marL="285750" indent="-285750">
               <a:buFont typeface="Arial" panose="020B0604020202020204" pitchFamily="34" charset="0"/>
               <a:buChar char="•"/>
             </a:pPr>
-            <a:endParaRPr lang="en-US" sz="2000">
+            <a:endParaRPr lang="en-US" sz="2000" dirty="0">
               <a:ea typeface="等线"/>
             </a:endParaRPr>
           </a:p>
@@ -4527,13 +4569,13 @@
               <a:buChar char="•"/>
             </a:pPr>
             <a:r>
-              <a:rPr lang="en-US" sz="2000">
+              <a:rPr lang="en-US" sz="2000" dirty="0">
                 <a:ea typeface="等线"/>
                 <a:hlinkClick r:id="rId2"/>
               </a:rPr>
               <a:t>https://github.com/ternaus/robot-surgery-segmentation</a:t>
             </a:r>
-            <a:endParaRPr lang="en-US" altLang="zh-CN" sz="2000">
+            <a:endParaRPr lang="en-US" altLang="zh-CN" sz="2000" dirty="0">
               <a:ea typeface="等线"/>
             </a:endParaRPr>
           </a:p>
